--- a/docs/diagrams/EmailCommandSequenceDiagram.pptx
+++ b/docs/diagrams/EmailCommandSequenceDiagram.pptx
@@ -112,6 +112,10 @@
 </p:presentation>
 </file>
 
+<file path=ppt/revisionInfo.xml><?xml version="1.0" encoding="utf-8"?>
+<p1510:revInfo xmlns:a="http://schemas.openxmlformats.org/drawingml/2006/main" xmlns:r="http://schemas.openxmlformats.org/officeDocument/2006/relationships" xmlns:p1510="http://schemas.microsoft.com/office/powerpoint/2015/10/main"/>
+</file>
+
 <file path=ppt/changesInfos/changesInfo1.xml><?xml version="1.0" encoding="utf-8"?>
 <pc:chgInfo xmlns:a="http://schemas.openxmlformats.org/drawingml/2006/main" xmlns:r="http://schemas.openxmlformats.org/officeDocument/2006/relationships" xmlns:ac="http://schemas.microsoft.com/office/drawing/2013/main/command" xmlns:pc="http://schemas.microsoft.com/office/powerpoint/2013/main/command">
   <pc:docChgLst>
@@ -280,7 +284,7 @@
           <a:p>
             <a:fld id="{433F55D2-B575-4007-9CD2-5A88CD7BF920}" type="datetimeFigureOut">
               <a:rPr lang="en-SG" smtClean="0"/>
-              <a:t>20/10/2017</a:t>
+              <a:t>13/11/2017</a:t>
             </a:fld>
             <a:endParaRPr lang="en-SG"/>
           </a:p>
@@ -450,7 +454,7 @@
           <a:p>
             <a:fld id="{433F55D2-B575-4007-9CD2-5A88CD7BF920}" type="datetimeFigureOut">
               <a:rPr lang="en-SG" smtClean="0"/>
-              <a:t>20/10/2017</a:t>
+              <a:t>13/11/2017</a:t>
             </a:fld>
             <a:endParaRPr lang="en-SG"/>
           </a:p>
@@ -630,7 +634,7 @@
           <a:p>
             <a:fld id="{433F55D2-B575-4007-9CD2-5A88CD7BF920}" type="datetimeFigureOut">
               <a:rPr lang="en-SG" smtClean="0"/>
-              <a:t>20/10/2017</a:t>
+              <a:t>13/11/2017</a:t>
             </a:fld>
             <a:endParaRPr lang="en-SG"/>
           </a:p>
@@ -800,7 +804,7 @@
           <a:p>
             <a:fld id="{433F55D2-B575-4007-9CD2-5A88CD7BF920}" type="datetimeFigureOut">
               <a:rPr lang="en-SG" smtClean="0"/>
-              <a:t>20/10/2017</a:t>
+              <a:t>13/11/2017</a:t>
             </a:fld>
             <a:endParaRPr lang="en-SG"/>
           </a:p>
@@ -1046,7 +1050,7 @@
           <a:p>
             <a:fld id="{433F55D2-B575-4007-9CD2-5A88CD7BF920}" type="datetimeFigureOut">
               <a:rPr lang="en-SG" smtClean="0"/>
-              <a:t>20/10/2017</a:t>
+              <a:t>13/11/2017</a:t>
             </a:fld>
             <a:endParaRPr lang="en-SG"/>
           </a:p>
@@ -1278,7 +1282,7 @@
           <a:p>
             <a:fld id="{433F55D2-B575-4007-9CD2-5A88CD7BF920}" type="datetimeFigureOut">
               <a:rPr lang="en-SG" smtClean="0"/>
-              <a:t>20/10/2017</a:t>
+              <a:t>13/11/2017</a:t>
             </a:fld>
             <a:endParaRPr lang="en-SG"/>
           </a:p>
@@ -1645,7 +1649,7 @@
           <a:p>
             <a:fld id="{433F55D2-B575-4007-9CD2-5A88CD7BF920}" type="datetimeFigureOut">
               <a:rPr lang="en-SG" smtClean="0"/>
-              <a:t>20/10/2017</a:t>
+              <a:t>13/11/2017</a:t>
             </a:fld>
             <a:endParaRPr lang="en-SG"/>
           </a:p>
@@ -1763,7 +1767,7 @@
           <a:p>
             <a:fld id="{433F55D2-B575-4007-9CD2-5A88CD7BF920}" type="datetimeFigureOut">
               <a:rPr lang="en-SG" smtClean="0"/>
-              <a:t>20/10/2017</a:t>
+              <a:t>13/11/2017</a:t>
             </a:fld>
             <a:endParaRPr lang="en-SG"/>
           </a:p>
@@ -1858,7 +1862,7 @@
           <a:p>
             <a:fld id="{433F55D2-B575-4007-9CD2-5A88CD7BF920}" type="datetimeFigureOut">
               <a:rPr lang="en-SG" smtClean="0"/>
-              <a:t>20/10/2017</a:t>
+              <a:t>13/11/2017</a:t>
             </a:fld>
             <a:endParaRPr lang="en-SG"/>
           </a:p>
@@ -2135,7 +2139,7 @@
           <a:p>
             <a:fld id="{433F55D2-B575-4007-9CD2-5A88CD7BF920}" type="datetimeFigureOut">
               <a:rPr lang="en-SG" smtClean="0"/>
-              <a:t>20/10/2017</a:t>
+              <a:t>13/11/2017</a:t>
             </a:fld>
             <a:endParaRPr lang="en-SG"/>
           </a:p>
@@ -2388,7 +2392,7 @@
           <a:p>
             <a:fld id="{433F55D2-B575-4007-9CD2-5A88CD7BF920}" type="datetimeFigureOut">
               <a:rPr lang="en-SG" smtClean="0"/>
-              <a:t>20/10/2017</a:t>
+              <a:t>13/11/2017</a:t>
             </a:fld>
             <a:endParaRPr lang="en-SG"/>
           </a:p>
@@ -2601,7 +2605,7 @@
           <a:p>
             <a:fld id="{433F55D2-B575-4007-9CD2-5A88CD7BF920}" type="datetimeFigureOut">
               <a:rPr lang="en-SG" smtClean="0"/>
-              <a:t>20/10/2017</a:t>
+              <a:t>13/11/2017</a:t>
             </a:fld>
             <a:endParaRPr lang="en-SG"/>
           </a:p>
@@ -3882,8 +3886,8 @@
         </p:nvSpPr>
         <p:spPr>
           <a:xfrm>
-            <a:off x="8734113" y="3307135"/>
-            <a:ext cx="123325" cy="752414"/>
+            <a:off x="8734114" y="3381703"/>
+            <a:ext cx="144008" cy="677846"/>
           </a:xfrm>
           <a:prstGeom prst="rect">
             <a:avLst/>
@@ -4010,7 +4014,7 @@
         </p:nvCxnSpPr>
         <p:spPr>
           <a:xfrm>
-            <a:off x="6642100" y="3392461"/>
+            <a:off x="6642100" y="3381703"/>
             <a:ext cx="2092013" cy="0"/>
           </a:xfrm>
           <a:prstGeom prst="straightConnector1">
